--- a/FirstPresentation_Simon.pptx
+++ b/FirstPresentation_Simon.pptx
@@ -3659,14 +3659,184 @@
           <a:lstStyle/>
           <a:p>
             <a:r>
-              <a:rPr lang="de-DE" dirty="0">
-                <a:hlinkClick r:id="rId3"/>
-              </a:rPr>
-              <a:t>http://delivery.acm.org/10.1145/2050000/2047279/p627-harrison.pdf?ip=141.58.63.6&amp;id=2047279&amp;acc=ACTIVE%20SERVICE&amp;key=2BA2C432AB83DA15%2EB24C68F3238D7605%2E4D4702B0C3E38B35%2E4D4702B0C3E38B35&amp;__acm__=1541164156_6cba7c46e5f7a071776e4ccf3cb5b031</a:t>
-            </a:r>
-            <a:endParaRPr lang="de-DE" dirty="0"/>
-          </a:p>
-          <a:p>
+              <a:rPr lang="de-DE" dirty="0" err="1"/>
+              <a:t>TapSense</a:t>
+            </a:r>
+            <a:r>
+              <a:rPr lang="de-DE" dirty="0"/>
+              <a:t>: </a:t>
+            </a:r>
+            <a:r>
+              <a:rPr lang="de-DE" dirty="0" err="1"/>
+              <a:t>Enhancing</a:t>
+            </a:r>
+            <a:r>
+              <a:rPr lang="de-DE" dirty="0"/>
+              <a:t> </a:t>
+            </a:r>
+            <a:r>
+              <a:rPr lang="de-DE" dirty="0" err="1"/>
+              <a:t>finger</a:t>
+            </a:r>
+            <a:r>
+              <a:rPr lang="de-DE" dirty="0"/>
+              <a:t> </a:t>
+            </a:r>
+            <a:r>
+              <a:rPr lang="de-DE" dirty="0" err="1"/>
+              <a:t>interaction</a:t>
+            </a:r>
+            <a:r>
+              <a:rPr lang="de-DE" dirty="0"/>
+              <a:t> on </a:t>
+            </a:r>
+            <a:r>
+              <a:rPr lang="de-DE" dirty="0" err="1"/>
+              <a:t>touch</a:t>
+            </a:r>
+            <a:r>
+              <a:rPr lang="de-DE" dirty="0"/>
+              <a:t> </a:t>
+            </a:r>
+            <a:r>
+              <a:rPr lang="de-DE" dirty="0" err="1"/>
+              <a:t>surfaces</a:t>
+            </a:r>
+            <a:endParaRPr lang="de-DE" dirty="0"/>
+          </a:p>
+          <a:p>
+            <a:r>
+              <a:rPr lang="de-DE" dirty="0" err="1"/>
+              <a:t>Identify</a:t>
+            </a:r>
+            <a:r>
+              <a:rPr lang="de-DE" dirty="0"/>
+              <a:t> type </a:t>
+            </a:r>
+            <a:r>
+              <a:rPr lang="de-DE" dirty="0" err="1"/>
+              <a:t>of</a:t>
+            </a:r>
+            <a:r>
+              <a:rPr lang="de-DE" dirty="0"/>
+              <a:t> </a:t>
+            </a:r>
+            <a:r>
+              <a:rPr lang="de-DE" dirty="0" err="1"/>
+              <a:t>object</a:t>
+            </a:r>
+            <a:r>
+              <a:rPr lang="de-DE" dirty="0"/>
+              <a:t> </a:t>
+            </a:r>
+            <a:r>
+              <a:rPr lang="de-DE" dirty="0" err="1"/>
+              <a:t>used</a:t>
+            </a:r>
+            <a:r>
+              <a:rPr lang="de-DE" dirty="0"/>
+              <a:t> </a:t>
+            </a:r>
+            <a:r>
+              <a:rPr lang="de-DE" dirty="0" err="1"/>
+              <a:t>for</a:t>
+            </a:r>
+            <a:r>
+              <a:rPr lang="de-DE" dirty="0"/>
+              <a:t> </a:t>
+            </a:r>
+            <a:r>
+              <a:rPr lang="de-DE" dirty="0" err="1"/>
+              <a:t>input</a:t>
+            </a:r>
+            <a:endParaRPr lang="de-DE" dirty="0"/>
+          </a:p>
+          <a:p>
+            <a:r>
+              <a:rPr lang="de-DE" dirty="0"/>
+              <a:t>Six different </a:t>
+            </a:r>
+            <a:r>
+              <a:rPr lang="de-DE" dirty="0" err="1"/>
+              <a:t>tools</a:t>
+            </a:r>
+            <a:r>
+              <a:rPr lang="de-DE" dirty="0"/>
+              <a:t> + </a:t>
+            </a:r>
+            <a:r>
+              <a:rPr lang="de-DE" dirty="0" err="1"/>
+              <a:t>finger</a:t>
+            </a:r>
+            <a:r>
+              <a:rPr lang="de-DE" dirty="0"/>
+              <a:t> </a:t>
+            </a:r>
+            <a:r>
+              <a:rPr lang="de-DE" dirty="0" err="1"/>
+              <a:t>input</a:t>
+            </a:r>
+            <a:endParaRPr lang="de-DE" dirty="0"/>
+          </a:p>
+          <a:p>
+            <a:r>
+              <a:rPr lang="de-DE" dirty="0"/>
+              <a:t>Sound-</a:t>
+            </a:r>
+            <a:r>
+              <a:rPr lang="de-DE" dirty="0" err="1"/>
+              <a:t>based</a:t>
+            </a:r>
+            <a:endParaRPr lang="de-DE" dirty="0"/>
+          </a:p>
+          <a:p>
+            <a:r>
+              <a:rPr lang="de-DE" dirty="0"/>
+              <a:t>Support Vector </a:t>
+            </a:r>
+            <a:r>
+              <a:rPr lang="de-DE" dirty="0" err="1"/>
+              <a:t>Machine</a:t>
+            </a:r>
+            <a:r>
+              <a:rPr lang="de-DE" dirty="0"/>
+              <a:t>:</a:t>
+            </a:r>
+          </a:p>
+          <a:p>
+            <a:pPr lvl="1"/>
+            <a:r>
+              <a:rPr lang="de-DE" dirty="0"/>
+              <a:t>95% </a:t>
+            </a:r>
+            <a:r>
+              <a:rPr lang="de-DE" dirty="0" err="1"/>
+              <a:t>accuracy</a:t>
+            </a:r>
+            <a:endParaRPr lang="de-DE" dirty="0"/>
+          </a:p>
+          <a:p>
+            <a:pPr lvl="1"/>
+            <a:r>
+              <a:rPr lang="de-DE" dirty="0"/>
+              <a:t>99% </a:t>
+            </a:r>
+            <a:r>
+              <a:rPr lang="de-DE" dirty="0" err="1"/>
+              <a:t>accuracy</a:t>
+            </a:r>
+            <a:r>
+              <a:rPr lang="de-DE" dirty="0"/>
+              <a:t> (</a:t>
+            </a:r>
+            <a:r>
+              <a:rPr lang="de-DE" dirty="0" err="1"/>
+              <a:t>pairs</a:t>
+            </a:r>
+            <a:r>
+              <a:rPr lang="de-DE" dirty="0"/>
+              <a:t>)</a:t>
+            </a:r>
             <a:br>
               <a:rPr lang="de-DE" dirty="0"/>
             </a:br>

--- a/FirstPresentation_Simon.pptx
+++ b/FirstPresentation_Simon.pptx
@@ -10,8 +10,8 @@
   <p:sldIdLst>
     <p:sldId id="259" r:id="rId2"/>
     <p:sldId id="257" r:id="rId3"/>
-    <p:sldId id="260" r:id="rId4"/>
-    <p:sldId id="265" r:id="rId5"/>
+    <p:sldId id="265" r:id="rId4"/>
+    <p:sldId id="260" r:id="rId5"/>
     <p:sldId id="266" r:id="rId6"/>
     <p:sldId id="261" r:id="rId7"/>
     <p:sldId id="264" r:id="rId8"/>
@@ -231,7 +231,7 @@
           <a:p>
             <a:fld id="{3D100699-F170-47EF-8601-8ACFF448602A}" type="datetimeFigureOut">
               <a:rPr lang="de-DE" smtClean="0"/>
-              <a:t>05.11.2018</a:t>
+              <a:t>06.11.2018</a:t>
             </a:fld>
             <a:endParaRPr lang="de-DE"/>
           </a:p>
@@ -719,7 +719,7 @@
     </p:spTree>
     <p:extLst>
       <p:ext uri="{BB962C8B-B14F-4D97-AF65-F5344CB8AC3E}">
-        <p14:creationId xmlns:p14="http://schemas.microsoft.com/office/powerpoint/2010/main" val="1572575122"/>
+        <p14:creationId xmlns:p14="http://schemas.microsoft.com/office/powerpoint/2010/main" val="3210665499"/>
       </p:ext>
     </p:extLst>
   </p:cSld>
@@ -834,7 +834,7 @@
     </p:spTree>
     <p:extLst>
       <p:ext uri="{BB962C8B-B14F-4D97-AF65-F5344CB8AC3E}">
-        <p14:creationId xmlns:p14="http://schemas.microsoft.com/office/powerpoint/2010/main" val="3210665499"/>
+        <p14:creationId xmlns:p14="http://schemas.microsoft.com/office/powerpoint/2010/main" val="1572575122"/>
       </p:ext>
     </p:extLst>
   </p:cSld>
@@ -3520,14 +3520,180 @@
           <a:lstStyle/>
           <a:p>
             <a:r>
-              <a:rPr lang="de-DE" dirty="0">
-                <a:hlinkClick r:id="rId3"/>
-              </a:rPr>
-              <a:t>http://delivery.acm.org/10.1145/2080000/2076364/p53-lopes.pdf?ip=141.58.63.6&amp;id=2076364&amp;acc=ACTIVE%20SERVICE&amp;key=2BA2C432AB83DA15%2EB24C68F3238D7605%2E4D4702B0C3E38B35%2E4D4702B0C3E38B35&amp;__acm__=1541164148_f9593dc613ea1758d788650897573c8a</a:t>
-            </a:r>
-            <a:endParaRPr lang="de-DE" dirty="0"/>
-          </a:p>
-          <a:p>
+              <a:rPr lang="de-DE" dirty="0" err="1"/>
+              <a:t>TapSense</a:t>
+            </a:r>
+            <a:r>
+              <a:rPr lang="de-DE" dirty="0"/>
+              <a:t>: </a:t>
+            </a:r>
+            <a:r>
+              <a:rPr lang="de-DE" dirty="0" err="1"/>
+              <a:t>Enhancing</a:t>
+            </a:r>
+            <a:r>
+              <a:rPr lang="de-DE" dirty="0"/>
+              <a:t> </a:t>
+            </a:r>
+            <a:r>
+              <a:rPr lang="de-DE" dirty="0" err="1"/>
+              <a:t>finger</a:t>
+            </a:r>
+            <a:r>
+              <a:rPr lang="de-DE" dirty="0"/>
+              <a:t> </a:t>
+            </a:r>
+            <a:r>
+              <a:rPr lang="de-DE" dirty="0" err="1"/>
+              <a:t>interaction</a:t>
+            </a:r>
+            <a:r>
+              <a:rPr lang="de-DE" dirty="0"/>
+              <a:t> on </a:t>
+            </a:r>
+            <a:r>
+              <a:rPr lang="de-DE" dirty="0" err="1"/>
+              <a:t>touch</a:t>
+            </a:r>
+            <a:r>
+              <a:rPr lang="de-DE" dirty="0"/>
+              <a:t> </a:t>
+            </a:r>
+            <a:r>
+              <a:rPr lang="de-DE" dirty="0" err="1"/>
+              <a:t>surfaces</a:t>
+            </a:r>
+            <a:endParaRPr lang="de-DE" dirty="0"/>
+          </a:p>
+          <a:p>
+            <a:r>
+              <a:rPr lang="de-DE" dirty="0" err="1"/>
+              <a:t>Identify</a:t>
+            </a:r>
+            <a:r>
+              <a:rPr lang="de-DE" dirty="0"/>
+              <a:t> type </a:t>
+            </a:r>
+            <a:r>
+              <a:rPr lang="de-DE" dirty="0" err="1"/>
+              <a:t>of</a:t>
+            </a:r>
+            <a:r>
+              <a:rPr lang="de-DE" dirty="0"/>
+              <a:t> </a:t>
+            </a:r>
+            <a:r>
+              <a:rPr lang="de-DE" dirty="0" err="1"/>
+              <a:t>finger</a:t>
+            </a:r>
+            <a:r>
+              <a:rPr lang="de-DE" dirty="0"/>
+              <a:t> </a:t>
+            </a:r>
+            <a:r>
+              <a:rPr lang="de-DE" dirty="0" err="1"/>
+              <a:t>used</a:t>
+            </a:r>
+            <a:r>
+              <a:rPr lang="de-DE" dirty="0"/>
+              <a:t> </a:t>
+            </a:r>
+            <a:r>
+              <a:rPr lang="de-DE" dirty="0" err="1"/>
+              <a:t>for</a:t>
+            </a:r>
+            <a:r>
+              <a:rPr lang="de-DE" dirty="0"/>
+              <a:t> </a:t>
+            </a:r>
+            <a:r>
+              <a:rPr lang="de-DE" dirty="0" err="1"/>
+              <a:t>input</a:t>
+            </a:r>
+            <a:endParaRPr lang="de-DE" dirty="0"/>
+          </a:p>
+          <a:p>
+            <a:r>
+              <a:rPr lang="de-DE" dirty="0" err="1"/>
+              <a:t>Four</a:t>
+            </a:r>
+            <a:r>
+              <a:rPr lang="de-DE" dirty="0"/>
+              <a:t> different </a:t>
+            </a:r>
+            <a:r>
+              <a:rPr lang="de-DE" dirty="0" err="1"/>
+              <a:t>finger</a:t>
+            </a:r>
+            <a:r>
+              <a:rPr lang="de-DE" dirty="0"/>
+              <a:t> </a:t>
+            </a:r>
+            <a:r>
+              <a:rPr lang="de-DE" dirty="0" err="1"/>
+              <a:t>inputs</a:t>
+            </a:r>
+            <a:endParaRPr lang="de-DE" dirty="0"/>
+          </a:p>
+          <a:p>
+            <a:r>
+              <a:rPr lang="de-DE" dirty="0"/>
+              <a:t>Sound-</a:t>
+            </a:r>
+            <a:r>
+              <a:rPr lang="de-DE" dirty="0" err="1"/>
+              <a:t>based</a:t>
+            </a:r>
+            <a:endParaRPr lang="de-DE" dirty="0"/>
+          </a:p>
+          <a:p>
+            <a:r>
+              <a:rPr lang="de-DE" dirty="0"/>
+              <a:t>Support Vector </a:t>
+            </a:r>
+            <a:r>
+              <a:rPr lang="de-DE" dirty="0" err="1"/>
+              <a:t>Machine</a:t>
+            </a:r>
+            <a:r>
+              <a:rPr lang="de-DE" dirty="0"/>
+              <a:t>:</a:t>
+            </a:r>
+          </a:p>
+          <a:p>
+            <a:pPr lvl="1"/>
+            <a:r>
+              <a:rPr lang="de-DE" dirty="0"/>
+              <a:t>86% </a:t>
+            </a:r>
+            <a:r>
+              <a:rPr lang="de-DE" dirty="0" err="1"/>
+              <a:t>accuracy</a:t>
+            </a:r>
+            <a:endParaRPr lang="de-DE" dirty="0"/>
+          </a:p>
+          <a:p>
+            <a:pPr lvl="1"/>
+            <a:r>
+              <a:rPr lang="de-DE" dirty="0"/>
+              <a:t>98% </a:t>
+            </a:r>
+            <a:r>
+              <a:rPr lang="de-DE" dirty="0" err="1"/>
+              <a:t>accuracy</a:t>
+            </a:r>
+            <a:r>
+              <a:rPr lang="de-DE" dirty="0"/>
+              <a:t> (</a:t>
+            </a:r>
+            <a:r>
+              <a:rPr lang="de-DE" dirty="0" err="1"/>
+              <a:t>pairs</a:t>
+            </a:r>
+            <a:r>
+              <a:rPr lang="de-DE" dirty="0"/>
+              <a:t>)</a:t>
+            </a:r>
             <a:br>
               <a:rPr lang="de-DE" dirty="0"/>
             </a:br>
@@ -3594,11 +3760,11 @@
             </a:r>
             <a:r>
               <a:rPr lang="de-DE" dirty="0"/>
-              <a:t> </a:t>
-            </a:r>
-            <a:r>
-              <a:rPr lang="de-DE" dirty="0" err="1"/>
-              <a:t>Work:Robin</a:t>
+              <a:t> Work: </a:t>
+            </a:r>
+            <a:r>
+              <a:rPr lang="de-DE" dirty="0" err="1"/>
+              <a:t>TapSense</a:t>
             </a:r>
             <a:r>
               <a:rPr lang="de-DE" dirty="0"/>
@@ -3607,10 +3773,40 @@
           </a:p>
         </p:txBody>
       </p:sp>
+      <p:pic>
+        <p:nvPicPr>
+          <p:cNvPr id="5" name="Grafik 4">
+            <a:extLst>
+              <a:ext uri="{FF2B5EF4-FFF2-40B4-BE49-F238E27FC236}">
+                <a16:creationId xmlns:a16="http://schemas.microsoft.com/office/drawing/2014/main" id="{1963017C-B736-4D14-BE7C-6BBFA98DA0FE}"/>
+              </a:ext>
+            </a:extLst>
+          </p:cNvPr>
+          <p:cNvPicPr>
+            <a:picLocks noChangeAspect="1"/>
+          </p:cNvPicPr>
+          <p:nvPr/>
+        </p:nvPicPr>
+        <p:blipFill>
+          <a:blip r:embed="rId3"/>
+          <a:stretch>
+            <a:fillRect/>
+          </a:stretch>
+        </p:blipFill>
+        <p:spPr>
+          <a:xfrm>
+            <a:off x="4499992" y="2236388"/>
+            <a:ext cx="4258481" cy="2394624"/>
+          </a:xfrm>
+          <a:prstGeom prst="rect">
+            <a:avLst/>
+          </a:prstGeom>
+        </p:spPr>
+      </p:pic>
     </p:spTree>
     <p:extLst>
       <p:ext uri="{BB962C8B-B14F-4D97-AF65-F5344CB8AC3E}">
-        <p14:creationId xmlns:p14="http://schemas.microsoft.com/office/powerpoint/2010/main" val="3244807892"/>
+        <p14:creationId xmlns:p14="http://schemas.microsoft.com/office/powerpoint/2010/main" val="833610356"/>
       </p:ext>
     </p:extLst>
   </p:cSld>
@@ -3659,184 +3855,14 @@
           <a:lstStyle/>
           <a:p>
             <a:r>
-              <a:rPr lang="de-DE" dirty="0" err="1"/>
-              <a:t>TapSense</a:t>
-            </a:r>
-            <a:r>
-              <a:rPr lang="de-DE" dirty="0"/>
-              <a:t>: </a:t>
-            </a:r>
-            <a:r>
-              <a:rPr lang="de-DE" dirty="0" err="1"/>
-              <a:t>Enhancing</a:t>
-            </a:r>
-            <a:r>
-              <a:rPr lang="de-DE" dirty="0"/>
-              <a:t> </a:t>
-            </a:r>
-            <a:r>
-              <a:rPr lang="de-DE" dirty="0" err="1"/>
-              <a:t>finger</a:t>
-            </a:r>
-            <a:r>
-              <a:rPr lang="de-DE" dirty="0"/>
-              <a:t> </a:t>
-            </a:r>
-            <a:r>
-              <a:rPr lang="de-DE" dirty="0" err="1"/>
-              <a:t>interaction</a:t>
-            </a:r>
-            <a:r>
-              <a:rPr lang="de-DE" dirty="0"/>
-              <a:t> on </a:t>
-            </a:r>
-            <a:r>
-              <a:rPr lang="de-DE" dirty="0" err="1"/>
-              <a:t>touch</a:t>
-            </a:r>
-            <a:r>
-              <a:rPr lang="de-DE" dirty="0"/>
-              <a:t> </a:t>
-            </a:r>
-            <a:r>
-              <a:rPr lang="de-DE" dirty="0" err="1"/>
-              <a:t>surfaces</a:t>
-            </a:r>
-            <a:endParaRPr lang="de-DE" dirty="0"/>
-          </a:p>
-          <a:p>
-            <a:r>
-              <a:rPr lang="de-DE" dirty="0" err="1"/>
-              <a:t>Identify</a:t>
-            </a:r>
-            <a:r>
-              <a:rPr lang="de-DE" dirty="0"/>
-              <a:t> type </a:t>
-            </a:r>
-            <a:r>
-              <a:rPr lang="de-DE" dirty="0" err="1"/>
-              <a:t>of</a:t>
-            </a:r>
-            <a:r>
-              <a:rPr lang="de-DE" dirty="0"/>
-              <a:t> </a:t>
-            </a:r>
-            <a:r>
-              <a:rPr lang="de-DE" dirty="0" err="1"/>
-              <a:t>object</a:t>
-            </a:r>
-            <a:r>
-              <a:rPr lang="de-DE" dirty="0"/>
-              <a:t> </a:t>
-            </a:r>
-            <a:r>
-              <a:rPr lang="de-DE" dirty="0" err="1"/>
-              <a:t>used</a:t>
-            </a:r>
-            <a:r>
-              <a:rPr lang="de-DE" dirty="0"/>
-              <a:t> </a:t>
-            </a:r>
-            <a:r>
-              <a:rPr lang="de-DE" dirty="0" err="1"/>
-              <a:t>for</a:t>
-            </a:r>
-            <a:r>
-              <a:rPr lang="de-DE" dirty="0"/>
-              <a:t> </a:t>
-            </a:r>
-            <a:r>
-              <a:rPr lang="de-DE" dirty="0" err="1"/>
-              <a:t>input</a:t>
-            </a:r>
-            <a:endParaRPr lang="de-DE" dirty="0"/>
-          </a:p>
-          <a:p>
-            <a:r>
-              <a:rPr lang="de-DE" dirty="0"/>
-              <a:t>Six different </a:t>
-            </a:r>
-            <a:r>
-              <a:rPr lang="de-DE" dirty="0" err="1"/>
-              <a:t>tools</a:t>
-            </a:r>
-            <a:r>
-              <a:rPr lang="de-DE" dirty="0"/>
-              <a:t> + </a:t>
-            </a:r>
-            <a:r>
-              <a:rPr lang="de-DE" dirty="0" err="1"/>
-              <a:t>finger</a:t>
-            </a:r>
-            <a:r>
-              <a:rPr lang="de-DE" dirty="0"/>
-              <a:t> </a:t>
-            </a:r>
-            <a:r>
-              <a:rPr lang="de-DE" dirty="0" err="1"/>
-              <a:t>input</a:t>
-            </a:r>
-            <a:endParaRPr lang="de-DE" dirty="0"/>
-          </a:p>
-          <a:p>
-            <a:r>
-              <a:rPr lang="de-DE" dirty="0"/>
-              <a:t>Sound-</a:t>
-            </a:r>
-            <a:r>
-              <a:rPr lang="de-DE" dirty="0" err="1"/>
-              <a:t>based</a:t>
-            </a:r>
-            <a:endParaRPr lang="de-DE" dirty="0"/>
-          </a:p>
-          <a:p>
-            <a:r>
-              <a:rPr lang="de-DE" dirty="0"/>
-              <a:t>Support Vector </a:t>
-            </a:r>
-            <a:r>
-              <a:rPr lang="de-DE" dirty="0" err="1"/>
-              <a:t>Machine</a:t>
-            </a:r>
-            <a:r>
-              <a:rPr lang="de-DE" dirty="0"/>
-              <a:t>:</a:t>
-            </a:r>
-          </a:p>
-          <a:p>
-            <a:pPr lvl="1"/>
-            <a:r>
-              <a:rPr lang="de-DE" dirty="0"/>
-              <a:t>95% </a:t>
-            </a:r>
-            <a:r>
-              <a:rPr lang="de-DE" dirty="0" err="1"/>
-              <a:t>accuracy</a:t>
-            </a:r>
-            <a:endParaRPr lang="de-DE" dirty="0"/>
-          </a:p>
-          <a:p>
-            <a:pPr lvl="1"/>
-            <a:r>
-              <a:rPr lang="de-DE" dirty="0"/>
-              <a:t>99% </a:t>
-            </a:r>
-            <a:r>
-              <a:rPr lang="de-DE" dirty="0" err="1"/>
-              <a:t>accuracy</a:t>
-            </a:r>
-            <a:r>
-              <a:rPr lang="de-DE" dirty="0"/>
-              <a:t> (</a:t>
-            </a:r>
-            <a:r>
-              <a:rPr lang="de-DE" dirty="0" err="1"/>
-              <a:t>pairs</a:t>
-            </a:r>
-            <a:r>
-              <a:rPr lang="de-DE" dirty="0"/>
-              <a:t>)</a:t>
-            </a:r>
+              <a:rPr lang="de-DE" dirty="0">
+                <a:hlinkClick r:id="rId3"/>
+              </a:rPr>
+              <a:t>http://delivery.acm.org/10.1145/2080000/2076364/p53-lopes.pdf?ip=141.58.63.6&amp;id=2076364&amp;acc=ACTIVE%20SERVICE&amp;key=2BA2C432AB83DA15%2EB24C68F3238D7605%2E4D4702B0C3E38B35%2E4D4702B0C3E38B35&amp;__acm__=1541164148_f9593dc613ea1758d788650897573c8a</a:t>
+            </a:r>
+            <a:endParaRPr lang="de-DE" dirty="0"/>
+          </a:p>
+          <a:p>
             <a:br>
               <a:rPr lang="de-DE" dirty="0"/>
             </a:br>
@@ -3903,11 +3929,11 @@
             </a:r>
             <a:r>
               <a:rPr lang="de-DE" dirty="0"/>
-              <a:t> Work: </a:t>
-            </a:r>
-            <a:r>
-              <a:rPr lang="de-DE" dirty="0" err="1"/>
-              <a:t>TapSense</a:t>
+              <a:t> </a:t>
+            </a:r>
+            <a:r>
+              <a:rPr lang="de-DE" dirty="0" err="1"/>
+              <a:t>Work:Robin</a:t>
             </a:r>
             <a:r>
               <a:rPr lang="de-DE" dirty="0"/>
@@ -3919,7 +3945,7 @@
     </p:spTree>
     <p:extLst>
       <p:ext uri="{BB962C8B-B14F-4D97-AF65-F5344CB8AC3E}">
-        <p14:creationId xmlns:p14="http://schemas.microsoft.com/office/powerpoint/2010/main" val="833610356"/>
+        <p14:creationId xmlns:p14="http://schemas.microsoft.com/office/powerpoint/2010/main" val="3244807892"/>
       </p:ext>
     </p:extLst>
   </p:cSld>
